--- a/project.pptx
+++ b/project.pptx
@@ -3560,11 +3560,7 @@
             </a:pPr>
             <a:r>
               <a:rPr lang="ru-RU" dirty="0"/>
-              <a:t>Приложение создано для приятного время провождения и для узнавания интересных фактов и улучшения умения решать простые </a:t>
-            </a:r>
-            <a:r>
-              <a:rPr lang="ru-RU"/>
-              <a:t>математические примеры.</a:t>
+              <a:t>Приложение создано для приятного время провождения и для узнавания интересных фактов и улучшения умения решать простые математические примеры.</a:t>
             </a:r>
           </a:p>
         </p:txBody>
